--- a/APBO_dan_Desain-SI/5.Diagram Class.pptx
+++ b/APBO_dan_Desain-SI/5.Diagram Class.pptx
@@ -341,7 +341,7 @@
             <a:fld id="{1D8BD707-D9CF-40AE-B4C6-C98DA3205C09}" type="datetimeFigureOut">
               <a:rPr lang="en-US" smtClean="0"/>
               <a:pPr/>
-              <a:t>5/22/2014</a:t>
+              <a:t>11/12/2015</a:t>
             </a:fld>
             <a:endParaRPr lang="en-US"/>
           </a:p>
@@ -508,7 +508,7 @@
             <a:fld id="{1D8BD707-D9CF-40AE-B4C6-C98DA3205C09}" type="datetimeFigureOut">
               <a:rPr lang="en-US" smtClean="0"/>
               <a:pPr/>
-              <a:t>5/22/2014</a:t>
+              <a:t>11/12/2015</a:t>
             </a:fld>
             <a:endParaRPr lang="en-US"/>
           </a:p>
@@ -685,7 +685,7 @@
             <a:fld id="{1D8BD707-D9CF-40AE-B4C6-C98DA3205C09}" type="datetimeFigureOut">
               <a:rPr lang="en-US" smtClean="0"/>
               <a:pPr/>
-              <a:t>5/22/2014</a:t>
+              <a:t>11/12/2015</a:t>
             </a:fld>
             <a:endParaRPr lang="en-US"/>
           </a:p>
@@ -852,7 +852,7 @@
             <a:fld id="{1D8BD707-D9CF-40AE-B4C6-C98DA3205C09}" type="datetimeFigureOut">
               <a:rPr lang="en-US" smtClean="0"/>
               <a:pPr/>
-              <a:t>5/22/2014</a:t>
+              <a:t>11/12/2015</a:t>
             </a:fld>
             <a:endParaRPr lang="en-US"/>
           </a:p>
@@ -1095,7 +1095,7 @@
             <a:fld id="{1D8BD707-D9CF-40AE-B4C6-C98DA3205C09}" type="datetimeFigureOut">
               <a:rPr lang="en-US" smtClean="0"/>
               <a:pPr/>
-              <a:t>5/22/2014</a:t>
+              <a:t>11/12/2015</a:t>
             </a:fld>
             <a:endParaRPr lang="en-US"/>
           </a:p>
@@ -1380,7 +1380,7 @@
             <a:fld id="{1D8BD707-D9CF-40AE-B4C6-C98DA3205C09}" type="datetimeFigureOut">
               <a:rPr lang="en-US" smtClean="0"/>
               <a:pPr/>
-              <a:t>5/22/2014</a:t>
+              <a:t>11/12/2015</a:t>
             </a:fld>
             <a:endParaRPr lang="en-US"/>
           </a:p>
@@ -1799,7 +1799,7 @@
             <a:fld id="{1D8BD707-D9CF-40AE-B4C6-C98DA3205C09}" type="datetimeFigureOut">
               <a:rPr lang="en-US" smtClean="0"/>
               <a:pPr/>
-              <a:t>5/22/2014</a:t>
+              <a:t>11/12/2015</a:t>
             </a:fld>
             <a:endParaRPr lang="en-US"/>
           </a:p>
@@ -1914,7 +1914,7 @@
             <a:fld id="{1D8BD707-D9CF-40AE-B4C6-C98DA3205C09}" type="datetimeFigureOut">
               <a:rPr lang="en-US" smtClean="0"/>
               <a:pPr/>
-              <a:t>5/22/2014</a:t>
+              <a:t>11/12/2015</a:t>
             </a:fld>
             <a:endParaRPr lang="en-US"/>
           </a:p>
@@ -2006,7 +2006,7 @@
             <a:fld id="{1D8BD707-D9CF-40AE-B4C6-C98DA3205C09}" type="datetimeFigureOut">
               <a:rPr lang="en-US" smtClean="0"/>
               <a:pPr/>
-              <a:t>5/22/2014</a:t>
+              <a:t>11/12/2015</a:t>
             </a:fld>
             <a:endParaRPr lang="en-US"/>
           </a:p>
@@ -2280,7 +2280,7 @@
             <a:fld id="{1D8BD707-D9CF-40AE-B4C6-C98DA3205C09}" type="datetimeFigureOut">
               <a:rPr lang="en-US" smtClean="0"/>
               <a:pPr/>
-              <a:t>5/22/2014</a:t>
+              <a:t>11/12/2015</a:t>
             </a:fld>
             <a:endParaRPr lang="en-US"/>
           </a:p>
@@ -2530,7 +2530,7 @@
             <a:fld id="{1D8BD707-D9CF-40AE-B4C6-C98DA3205C09}" type="datetimeFigureOut">
               <a:rPr lang="en-US" smtClean="0"/>
               <a:pPr/>
-              <a:t>5/22/2014</a:t>
+              <a:t>11/12/2015</a:t>
             </a:fld>
             <a:endParaRPr lang="en-US"/>
           </a:p>
@@ -2740,7 +2740,7 @@
             <a:fld id="{1D8BD707-D9CF-40AE-B4C6-C98DA3205C09}" type="datetimeFigureOut">
               <a:rPr lang="en-US" smtClean="0"/>
               <a:pPr/>
-              <a:t>5/22/2014</a:t>
+              <a:t>11/12/2015</a:t>
             </a:fld>
             <a:endParaRPr lang="en-US"/>
           </a:p>
@@ -3123,14 +3123,16 @@
         </p:nvSpPr>
         <p:spPr/>
         <p:txBody>
-          <a:bodyPr/>
-          <a:lstStyle/>
-          <a:p>
-            <a:r>
-              <a:rPr lang="en-US" dirty="0" smtClean="0"/>
+          <a:bodyPr>
+            <a:noAutofit/>
+          </a:bodyPr>
+          <a:lstStyle/>
+          <a:p>
+            <a:r>
+              <a:rPr lang="en-US" sz="9600" dirty="0" smtClean="0"/>
               <a:t>Class Diagram</a:t>
             </a:r>
-            <a:endParaRPr lang="en-US" dirty="0"/>
+            <a:endParaRPr lang="en-US" sz="9600" dirty="0"/>
           </a:p>
         </p:txBody>
       </p:sp>
@@ -3432,6 +3434,10 @@
           <a:p>
             <a:pPr lvl="1"/>
             <a:r>
+              <a:rPr lang="en-US" sz="2000" i="1" dirty="0" smtClean="0"/>
+              <a:t>(-) </a:t>
+            </a:r>
+            <a:r>
               <a:rPr lang="id-ID" sz="2000" i="1" dirty="0" smtClean="0"/>
               <a:t>Private</a:t>
             </a:r>
@@ -3456,6 +3462,10 @@
           <a:p>
             <a:pPr lvl="1"/>
             <a:r>
+              <a:rPr lang="en-US" sz="2000" i="1" dirty="0" smtClean="0"/>
+              <a:t>(#) </a:t>
+            </a:r>
+            <a:r>
               <a:rPr lang="id-ID" sz="2000" i="1" dirty="0" smtClean="0"/>
               <a:t>Protected</a:t>
             </a:r>
@@ -3480,7 +3490,11 @@
           <a:p>
             <a:pPr lvl="1"/>
             <a:r>
-              <a:rPr lang="id-ID" sz="2000" i="1" dirty="0" smtClean="0"/>
+              <a:rPr lang="en-US" sz="2000" i="1" smtClean="0"/>
+              <a:t>(+) </a:t>
+            </a:r>
+            <a:r>
+              <a:rPr lang="id-ID" sz="2000" i="1" smtClean="0"/>
               <a:t>Public</a:t>
             </a:r>
             <a:r>
@@ -10287,12 +10301,12 @@
           <a:graphicData uri="http://schemas.openxmlformats.org/presentationml/2006/ole">
             <mc:AlternateContent xmlns:mc="http://schemas.openxmlformats.org/markup-compatibility/2006">
               <mc:Choice xmlns:v="urn:schemas-microsoft-com:vml" Requires="v">
-                <p:oleObj spid="_x0000_s1055" name="Document" r:id="rId3" imgW="4038407" imgH="3521423" progId="Word.Document.12">
+                <p:oleObj spid="_x0000_s1059" name="Document" r:id="rId4" imgW="4038407" imgH="3521423" progId="Word.Document.12">
                   <p:embed/>
                 </p:oleObj>
               </mc:Choice>
               <mc:Fallback>
-                <p:oleObj name="Document" r:id="rId3" imgW="4038407" imgH="3521423" progId="Word.Document.12">
+                <p:oleObj name="Document" r:id="rId4" imgW="4038407" imgH="3521423" progId="Word.Document.12">
                   <p:embed/>
                   <p:pic>
                     <p:nvPicPr>
@@ -10303,7 +10317,7 @@
                       <p:nvPr/>
                     </p:nvPicPr>
                     <p:blipFill>
-                      <a:blip r:embed="rId4"/>
+                      <a:blip r:embed="rId5"/>
                       <a:srcRect/>
                       <a:stretch>
                         <a:fillRect/>
@@ -10417,12 +10431,12 @@
           <a:graphicData uri="http://schemas.openxmlformats.org/presentationml/2006/ole">
             <mc:AlternateContent xmlns:mc="http://schemas.openxmlformats.org/markup-compatibility/2006">
               <mc:Choice xmlns:v="urn:schemas-microsoft-com:vml" Requires="v">
-                <p:oleObj spid="_x0000_s2079" name="Document" r:id="rId3" imgW="4383850" imgH="2845554" progId="Word.Document.12">
+                <p:oleObj spid="_x0000_s2083" name="Document" r:id="rId4" imgW="4383850" imgH="2845554" progId="Word.Document.12">
                   <p:embed/>
                 </p:oleObj>
               </mc:Choice>
               <mc:Fallback>
-                <p:oleObj name="Document" r:id="rId3" imgW="4383850" imgH="2845554" progId="Word.Document.12">
+                <p:oleObj name="Document" r:id="rId4" imgW="4383850" imgH="2845554" progId="Word.Document.12">
                   <p:embed/>
                   <p:pic>
                     <p:nvPicPr>
@@ -10433,7 +10447,7 @@
                       <p:nvPr/>
                     </p:nvPicPr>
                     <p:blipFill>
-                      <a:blip r:embed="rId4"/>
+                      <a:blip r:embed="rId5"/>
                       <a:srcRect/>
                       <a:stretch>
                         <a:fillRect/>
@@ -11270,19 +11284,19 @@
             </a:br>
             <a:r>
               <a:rPr lang="en-US" dirty="0" err="1" smtClean="0"/>
-              <a:t>Kamis</a:t>
+              <a:t>selasa</a:t>
+            </a:r>
+            <a:r>
+              <a:rPr lang="en-US" smtClean="0"/>
+              <a:t>/19 </a:t>
+            </a:r>
+            <a:r>
+              <a:rPr lang="en-US" dirty="0" err="1" smtClean="0"/>
+              <a:t>nov</a:t>
             </a:r>
             <a:r>
               <a:rPr lang="en-US" dirty="0" smtClean="0"/>
-              <a:t>/5 </a:t>
-            </a:r>
-            <a:r>
-              <a:rPr lang="en-US" dirty="0" err="1" smtClean="0"/>
-              <a:t>Juni</a:t>
-            </a:r>
-            <a:r>
-              <a:rPr lang="en-US" dirty="0" smtClean="0"/>
-              <a:t> 2014</a:t>
+              <a:t> 2015</a:t>
             </a:r>
             <a:br>
               <a:rPr lang="en-US" dirty="0" smtClean="0"/>
@@ -11302,33 +11316,29 @@
               <a:rPr lang="en-US" dirty="0" smtClean="0"/>
               <a:t>Use Case</a:t>
             </a:r>
-            <a:r>
-              <a:rPr lang="en-US" smtClean="0"/>
-              <a:t/>
-            </a:r>
-            <a:br>
-              <a:rPr lang="en-US" smtClean="0"/>
-            </a:br>
-            <a:r>
-              <a:rPr lang="en-US" smtClean="0"/>
-              <a:t>|</a:t>
-            </a:r>
-            <a:br>
-              <a:rPr lang="en-US" smtClean="0"/>
-            </a:br>
-            <a:r>
-              <a:rPr lang="en-US"/>
-              <a:t>v</a:t>
-            </a:r>
-            <a:r>
-              <a:rPr lang="en-US" dirty="0" smtClean="0"/>
-              <a:t/>
-            </a:r>
             <a:br>
               <a:rPr lang="en-US" dirty="0" smtClean="0"/>
             </a:br>
             <a:r>
-              <a:rPr lang="en-US" smtClean="0"/>
+              <a:rPr lang="en-US" dirty="0" smtClean="0"/>
+              <a:t>|</a:t>
+            </a:r>
+            <a:br>
+              <a:rPr lang="en-US" dirty="0" smtClean="0"/>
+            </a:br>
+            <a:r>
+              <a:rPr lang="en-US" dirty="0"/>
+              <a:t>v</a:t>
+            </a:r>
+            <a:r>
+              <a:rPr lang="en-US" dirty="0" smtClean="0"/>
+              <a:t/>
+            </a:r>
+            <a:br>
+              <a:rPr lang="en-US" dirty="0" smtClean="0"/>
+            </a:br>
+            <a:r>
+              <a:rPr lang="en-US" dirty="0" smtClean="0"/>
               <a:t>Class Diagram</a:t>
             </a:r>
             <a:endParaRPr lang="en-US" dirty="0"/>
